--- a/docs/1072_datascience_FP_Group2.pptx
+++ b/docs/1072_datascience_FP_Group2.pptx
@@ -8407,402 +8407,6 @@
       </p:sp>
       <p:sp>
         <p:nvSpPr>
-          <p:cNvPr id="24" name="TextBox 23"/>
-          <p:cNvSpPr txBox="1"/>
-          <p:nvPr/>
-        </p:nvSpPr>
-        <p:spPr>
-          <a:xfrm>
-            <a:off x="4644007" y="2590801"/>
-            <a:ext cx="3940343" cy="276999"/>
-          </a:xfrm>
-          <a:prstGeom prst="rect">
-            <a:avLst/>
-          </a:prstGeom>
-          <a:noFill/>
-        </p:spPr>
-        <p:txBody>
-          <a:bodyPr wrap="square" rtlCol="0">
-            <a:spAutoFit/>
-          </a:bodyPr>
-          <a:lstStyle/>
-          <a:p>
-            <a:pPr marL="171450" indent="-171450">
-              <a:buFont typeface="Wingdings" pitchFamily="2" charset="2"/>
-              <a:buChar char="l"/>
-            </a:pPr>
-            <a:r>
-              <a:rPr lang="en-US" altLang="ko-KR" sz="1200" dirty="0">
-                <a:solidFill>
-                  <a:schemeClr val="bg1"/>
-                </a:solidFill>
-                <a:cs typeface="Arial" pitchFamily="34" charset="0"/>
-              </a:rPr>
-              <a:t>Easy to change colors, photos and Text. </a:t>
-            </a:r>
-            <a:endParaRPr lang="ko-KR" altLang="en-US" sz="1200" dirty="0">
-              <a:solidFill>
-                <a:schemeClr val="bg1"/>
-              </a:solidFill>
-              <a:cs typeface="Arial" pitchFamily="34" charset="0"/>
-            </a:endParaRPr>
-          </a:p>
-        </p:txBody>
-      </p:sp>
-      <p:sp>
-        <p:nvSpPr>
-          <p:cNvPr id="25" name="TextBox 24"/>
-          <p:cNvSpPr txBox="1"/>
-          <p:nvPr/>
-        </p:nvSpPr>
-        <p:spPr>
-          <a:xfrm>
-            <a:off x="4644007" y="2892541"/>
-            <a:ext cx="3940343" cy="461665"/>
-          </a:xfrm>
-          <a:prstGeom prst="rect">
-            <a:avLst/>
-          </a:prstGeom>
-          <a:noFill/>
-        </p:spPr>
-        <p:txBody>
-          <a:bodyPr wrap="square" rtlCol="0">
-            <a:spAutoFit/>
-          </a:bodyPr>
-          <a:lstStyle/>
-          <a:p>
-            <a:pPr marL="171450" indent="-171450">
-              <a:buFont typeface="Wingdings" pitchFamily="2" charset="2"/>
-              <a:buChar char="l"/>
-            </a:pPr>
-            <a:r>
-              <a:rPr lang="en-US" altLang="ko-KR" sz="1200" dirty="0">
-                <a:solidFill>
-                  <a:schemeClr val="bg1"/>
-                </a:solidFill>
-                <a:cs typeface="Arial" pitchFamily="34" charset="0"/>
-              </a:rPr>
-              <a:t>You can simply impress your audience and add a unique zing</a:t>
-            </a:r>
-            <a:endParaRPr lang="ko-KR" altLang="en-US" sz="1200" dirty="0">
-              <a:solidFill>
-                <a:schemeClr val="bg1"/>
-              </a:solidFill>
-              <a:cs typeface="Arial" pitchFamily="34" charset="0"/>
-            </a:endParaRPr>
-          </a:p>
-        </p:txBody>
-      </p:sp>
-      <p:sp>
-        <p:nvSpPr>
-          <p:cNvPr id="26" name="TextBox 25"/>
-          <p:cNvSpPr txBox="1"/>
-          <p:nvPr/>
-        </p:nvSpPr>
-        <p:spPr>
-          <a:xfrm>
-            <a:off x="4644007" y="3378947"/>
-            <a:ext cx="3940343" cy="461665"/>
-          </a:xfrm>
-          <a:prstGeom prst="rect">
-            <a:avLst/>
-          </a:prstGeom>
-          <a:noFill/>
-        </p:spPr>
-        <p:txBody>
-          <a:bodyPr wrap="square" rtlCol="0">
-            <a:spAutoFit/>
-          </a:bodyPr>
-          <a:lstStyle/>
-          <a:p>
-            <a:pPr marL="171450" indent="-171450">
-              <a:buFont typeface="Wingdings" pitchFamily="2" charset="2"/>
-              <a:buChar char="l"/>
-            </a:pPr>
-            <a:r>
-              <a:rPr lang="en-US" altLang="ko-KR" sz="1200" dirty="0">
-                <a:solidFill>
-                  <a:schemeClr val="bg1"/>
-                </a:solidFill>
-                <a:cs typeface="Arial" pitchFamily="34" charset="0"/>
-              </a:rPr>
-              <a:t>Get a modern PowerPoint  Presentation that is beautifully designed.</a:t>
-            </a:r>
-            <a:endParaRPr lang="ko-KR" altLang="en-US" sz="1200" dirty="0">
-              <a:solidFill>
-                <a:schemeClr val="bg1"/>
-              </a:solidFill>
-              <a:cs typeface="Arial" pitchFamily="34" charset="0"/>
-            </a:endParaRPr>
-          </a:p>
-        </p:txBody>
-      </p:sp>
-      <p:sp>
-        <p:nvSpPr>
-          <p:cNvPr id="27" name="Text Placeholder 1"/>
-          <p:cNvSpPr txBox="1">
-            <a:spLocks/>
-          </p:cNvSpPr>
-          <p:nvPr/>
-        </p:nvSpPr>
-        <p:spPr>
-          <a:xfrm>
-            <a:off x="5776039" y="1398918"/>
-            <a:ext cx="2808312" cy="972232"/>
-          </a:xfrm>
-          <a:prstGeom prst="rect">
-            <a:avLst/>
-          </a:prstGeom>
-        </p:spPr>
-        <p:txBody>
-          <a:bodyPr/>
-          <a:lstStyle>
-            <a:lvl1pPr marL="342900" indent="-342900" algn="l" defTabSz="914400" rtl="0" eaLnBrk="1" latinLnBrk="1" hangingPunct="1">
-              <a:spcBef>
-                <a:spcPct val="20000"/>
-              </a:spcBef>
-              <a:buFont typeface="Arial" pitchFamily="34" charset="0"/>
-              <a:buChar char="•"/>
-              <a:defRPr sz="3200" kern="1200">
-                <a:solidFill>
-                  <a:schemeClr val="tx1"/>
-                </a:solidFill>
-                <a:latin typeface="+mn-lt"/>
-                <a:ea typeface="+mn-ea"/>
-                <a:cs typeface="+mn-cs"/>
-              </a:defRPr>
-            </a:lvl1pPr>
-            <a:lvl2pPr marL="742950" indent="-285750" algn="l" defTabSz="914400" rtl="0" eaLnBrk="1" latinLnBrk="1" hangingPunct="1">
-              <a:spcBef>
-                <a:spcPct val="20000"/>
-              </a:spcBef>
-              <a:buFont typeface="Arial" pitchFamily="34" charset="0"/>
-              <a:buChar char="–"/>
-              <a:defRPr sz="2800" kern="1200">
-                <a:solidFill>
-                  <a:schemeClr val="tx1"/>
-                </a:solidFill>
-                <a:latin typeface="+mn-lt"/>
-                <a:ea typeface="+mn-ea"/>
-                <a:cs typeface="+mn-cs"/>
-              </a:defRPr>
-            </a:lvl2pPr>
-            <a:lvl3pPr marL="1143000" indent="-228600" algn="l" defTabSz="914400" rtl="0" eaLnBrk="1" latinLnBrk="1" hangingPunct="1">
-              <a:spcBef>
-                <a:spcPct val="20000"/>
-              </a:spcBef>
-              <a:buFont typeface="Arial" pitchFamily="34" charset="0"/>
-              <a:buChar char="•"/>
-              <a:defRPr sz="2400" kern="1200">
-                <a:solidFill>
-                  <a:schemeClr val="tx1"/>
-                </a:solidFill>
-                <a:latin typeface="+mn-lt"/>
-                <a:ea typeface="+mn-ea"/>
-                <a:cs typeface="+mn-cs"/>
-              </a:defRPr>
-            </a:lvl3pPr>
-            <a:lvl4pPr marL="1600200" indent="-228600" algn="l" defTabSz="914400" rtl="0" eaLnBrk="1" latinLnBrk="1" hangingPunct="1">
-              <a:spcBef>
-                <a:spcPct val="20000"/>
-              </a:spcBef>
-              <a:buFont typeface="Arial" pitchFamily="34" charset="0"/>
-              <a:buChar char="–"/>
-              <a:defRPr sz="2000" kern="1200">
-                <a:solidFill>
-                  <a:schemeClr val="tx1"/>
-                </a:solidFill>
-                <a:latin typeface="+mn-lt"/>
-                <a:ea typeface="+mn-ea"/>
-                <a:cs typeface="+mn-cs"/>
-              </a:defRPr>
-            </a:lvl4pPr>
-            <a:lvl5pPr marL="2057400" indent="-228600" algn="l" defTabSz="914400" rtl="0" eaLnBrk="1" latinLnBrk="1" hangingPunct="1">
-              <a:spcBef>
-                <a:spcPct val="20000"/>
-              </a:spcBef>
-              <a:buFont typeface="Arial" pitchFamily="34" charset="0"/>
-              <a:buChar char="»"/>
-              <a:defRPr sz="2000" kern="1200">
-                <a:solidFill>
-                  <a:schemeClr val="tx1"/>
-                </a:solidFill>
-                <a:latin typeface="+mn-lt"/>
-                <a:ea typeface="+mn-ea"/>
-                <a:cs typeface="+mn-cs"/>
-              </a:defRPr>
-            </a:lvl5pPr>
-            <a:lvl6pPr marL="2514600" indent="-228600" algn="l" defTabSz="914400" rtl="0" eaLnBrk="1" latinLnBrk="1" hangingPunct="1">
-              <a:spcBef>
-                <a:spcPct val="20000"/>
-              </a:spcBef>
-              <a:buFont typeface="Arial" pitchFamily="34" charset="0"/>
-              <a:buChar char="•"/>
-              <a:defRPr sz="2000" kern="1200">
-                <a:solidFill>
-                  <a:schemeClr val="tx1"/>
-                </a:solidFill>
-                <a:latin typeface="+mn-lt"/>
-                <a:ea typeface="+mn-ea"/>
-                <a:cs typeface="+mn-cs"/>
-              </a:defRPr>
-            </a:lvl6pPr>
-            <a:lvl7pPr marL="2971800" indent="-228600" algn="l" defTabSz="914400" rtl="0" eaLnBrk="1" latinLnBrk="1" hangingPunct="1">
-              <a:spcBef>
-                <a:spcPct val="20000"/>
-              </a:spcBef>
-              <a:buFont typeface="Arial" pitchFamily="34" charset="0"/>
-              <a:buChar char="•"/>
-              <a:defRPr sz="2000" kern="1200">
-                <a:solidFill>
-                  <a:schemeClr val="tx1"/>
-                </a:solidFill>
-                <a:latin typeface="+mn-lt"/>
-                <a:ea typeface="+mn-ea"/>
-                <a:cs typeface="+mn-cs"/>
-              </a:defRPr>
-            </a:lvl7pPr>
-            <a:lvl8pPr marL="3429000" indent="-228600" algn="l" defTabSz="914400" rtl="0" eaLnBrk="1" latinLnBrk="1" hangingPunct="1">
-              <a:spcBef>
-                <a:spcPct val="20000"/>
-              </a:spcBef>
-              <a:buFont typeface="Arial" pitchFamily="34" charset="0"/>
-              <a:buChar char="•"/>
-              <a:defRPr sz="2000" kern="1200">
-                <a:solidFill>
-                  <a:schemeClr val="tx1"/>
-                </a:solidFill>
-                <a:latin typeface="+mn-lt"/>
-                <a:ea typeface="+mn-ea"/>
-                <a:cs typeface="+mn-cs"/>
-              </a:defRPr>
-            </a:lvl8pPr>
-            <a:lvl9pPr marL="3886200" indent="-228600" algn="l" defTabSz="914400" rtl="0" eaLnBrk="1" latinLnBrk="1" hangingPunct="1">
-              <a:spcBef>
-                <a:spcPct val="20000"/>
-              </a:spcBef>
-              <a:buFont typeface="Arial" pitchFamily="34" charset="0"/>
-              <a:buChar char="•"/>
-              <a:defRPr sz="2000" kern="1200">
-                <a:solidFill>
-                  <a:schemeClr val="tx1"/>
-                </a:solidFill>
-                <a:latin typeface="+mn-lt"/>
-                <a:ea typeface="+mn-ea"/>
-                <a:cs typeface="+mn-cs"/>
-              </a:defRPr>
-            </a:lvl9pPr>
-          </a:lstStyle>
-          <a:p>
-            <a:pPr marL="0" indent="0" algn="r">
-              <a:buNone/>
-            </a:pPr>
-            <a:r>
-              <a:rPr lang="en-US" altLang="ko-KR" sz="2400" b="1" dirty="0">
-                <a:solidFill>
-                  <a:schemeClr val="bg1"/>
-                </a:solidFill>
-                <a:cs typeface="Arial" pitchFamily="34" charset="0"/>
-              </a:rPr>
-              <a:t>Simple Portfolio </a:t>
-            </a:r>
-          </a:p>
-          <a:p>
-            <a:pPr marL="0" indent="0" algn="r">
-              <a:buNone/>
-            </a:pPr>
-            <a:r>
-              <a:rPr lang="en-US" altLang="ko-KR" sz="2400" b="1" dirty="0">
-                <a:solidFill>
-                  <a:schemeClr val="bg1"/>
-                </a:solidFill>
-                <a:cs typeface="Arial" pitchFamily="34" charset="0"/>
-              </a:rPr>
-              <a:t>Designed</a:t>
-            </a:r>
-            <a:endParaRPr lang="ko-KR" altLang="en-US" sz="2400" b="1" dirty="0">
-              <a:solidFill>
-                <a:schemeClr val="bg1"/>
-              </a:solidFill>
-              <a:cs typeface="Arial" pitchFamily="34" charset="0"/>
-            </a:endParaRPr>
-          </a:p>
-        </p:txBody>
-      </p:sp>
-      <p:sp>
-        <p:nvSpPr>
-          <p:cNvPr id="28" name="TextBox 27"/>
-          <p:cNvSpPr txBox="1"/>
-          <p:nvPr/>
-        </p:nvSpPr>
-        <p:spPr>
-          <a:xfrm>
-            <a:off x="4644007" y="3865353"/>
-            <a:ext cx="3940343" cy="461665"/>
-          </a:xfrm>
-          <a:prstGeom prst="rect">
-            <a:avLst/>
-          </a:prstGeom>
-          <a:noFill/>
-        </p:spPr>
-        <p:txBody>
-          <a:bodyPr wrap="square" rtlCol="0">
-            <a:spAutoFit/>
-          </a:bodyPr>
-          <a:lstStyle/>
-          <a:p>
-            <a:pPr marL="171450" indent="-171450">
-              <a:buFont typeface="Wingdings" pitchFamily="2" charset="2"/>
-              <a:buChar char="l"/>
-            </a:pPr>
-            <a:r>
-              <a:rPr lang="en-US" altLang="ko-KR" sz="1200" dirty="0">
-                <a:solidFill>
-                  <a:schemeClr val="bg1"/>
-                </a:solidFill>
-                <a:cs typeface="Arial" pitchFamily="34" charset="0"/>
-              </a:rPr>
-              <a:t>I hope and I believe that this Template will your Time, Money and Reputation. </a:t>
-            </a:r>
-          </a:p>
-        </p:txBody>
-      </p:sp>
-      <p:sp>
-        <p:nvSpPr>
-          <p:cNvPr id="29" name="Rectangle 28"/>
-          <p:cNvSpPr/>
-          <p:nvPr/>
-        </p:nvSpPr>
-        <p:spPr>
-          <a:xfrm>
-            <a:off x="4796650" y="4371950"/>
-            <a:ext cx="3098925" cy="307777"/>
-          </a:xfrm>
-          <a:prstGeom prst="rect">
-            <a:avLst/>
-          </a:prstGeom>
-        </p:spPr>
-        <p:txBody>
-          <a:bodyPr wrap="none">
-            <a:spAutoFit/>
-          </a:bodyPr>
-          <a:lstStyle/>
-          <a:p>
-            <a:r>
-              <a:rPr lang="en-US" altLang="ko-KR" sz="1400" b="1" dirty="0">
-                <a:solidFill>
-                  <a:schemeClr val="bg1"/>
-                </a:solidFill>
-                <a:cs typeface="Arial" pitchFamily="34" charset="0"/>
-              </a:rPr>
-              <a:t>Modern PowerPoint  Presentation </a:t>
-            </a:r>
-            <a:endParaRPr lang="ko-KR" altLang="en-US" sz="1400" b="1" dirty="0"/>
-          </a:p>
-        </p:txBody>
-      </p:sp>
-      <p:sp>
-        <p:nvSpPr>
           <p:cNvPr id="5" name="그림 개체 틀 4">
             <a:extLst>
               <a:ext uri="{FF2B5EF4-FFF2-40B4-BE49-F238E27FC236}">
@@ -10178,18 +9782,7 @@
                   <a:ea typeface="微軟正黑體" panose="020B0604030504040204" pitchFamily="34" charset="-120"/>
                   <a:cs typeface="Arial" pitchFamily="34" charset="0"/>
                 </a:rPr>
-                <a:t>K</a:t>
-              </a:r>
-              <a:r>
-                <a:rPr lang="en-US" altLang="zh-TW" sz="1400" dirty="0" smtClean="0">
-                  <a:solidFill>
-                    <a:schemeClr val="bg1"/>
-                  </a:solidFill>
-                  <a:latin typeface="微軟正黑體" panose="020B0604030504040204" pitchFamily="34" charset="-120"/>
-                  <a:ea typeface="微軟正黑體" panose="020B0604030504040204" pitchFamily="34" charset="-120"/>
-                  <a:cs typeface="Arial" pitchFamily="34" charset="0"/>
-                </a:rPr>
-                <a:t>-Fold </a:t>
+                <a:t>K-Fold </a:t>
               </a:r>
               <a:r>
                 <a:rPr lang="zh-TW" altLang="en-US" sz="1400" dirty="0" smtClean="0">
@@ -10245,18 +9838,7 @@
                   <a:ea typeface="微軟正黑體" panose="020B0604030504040204" pitchFamily="34" charset="-120"/>
                   <a:cs typeface="Arial" pitchFamily="34" charset="0"/>
                 </a:rPr>
-                <a:t>K</a:t>
-              </a:r>
-              <a:r>
-                <a:rPr lang="en-US" altLang="ko-KR" sz="1600" b="1" dirty="0" smtClean="0">
-                  <a:solidFill>
-                    <a:schemeClr val="bg1"/>
-                  </a:solidFill>
-                  <a:latin typeface="微軟正黑體" panose="020B0604030504040204" pitchFamily="34" charset="-120"/>
-                  <a:ea typeface="微軟正黑體" panose="020B0604030504040204" pitchFamily="34" charset="-120"/>
-                  <a:cs typeface="Arial" pitchFamily="34" charset="0"/>
-                </a:rPr>
-                <a:t>-Fold Validation</a:t>
+                <a:t>K-Fold Validation</a:t>
               </a:r>
               <a:endParaRPr lang="ko-KR" altLang="en-US" sz="1600" b="1" dirty="0">
                 <a:solidFill>
@@ -14711,18 +14293,7 @@
                   <a:ea typeface="微軟正黑體" panose="020B0604030504040204" pitchFamily="34" charset="-120"/>
                   <a:cs typeface="Arial" pitchFamily="34" charset="0"/>
                 </a:rPr>
-                <a:t>測目標</a:t>
-              </a:r>
-              <a:r>
-                <a:rPr lang="zh-TW" altLang="en-US" sz="1400" dirty="0" smtClean="0">
-                  <a:solidFill>
-                    <a:schemeClr val="bg1"/>
-                  </a:solidFill>
-                  <a:latin typeface="微軟正黑體" panose="020B0604030504040204" pitchFamily="34" charset="-120"/>
-                  <a:ea typeface="微軟正黑體" panose="020B0604030504040204" pitchFamily="34" charset="-120"/>
-                  <a:cs typeface="Arial" pitchFamily="34" charset="0"/>
-                </a:rPr>
-                <a:t>為隔一天的 </a:t>
+                <a:t>測目標為隔一天的 </a:t>
               </a:r>
               <a:r>
                 <a:rPr lang="en-US" altLang="zh-TW" sz="1400" dirty="0" smtClean="0">
@@ -16923,14 +16494,6 @@
                 </a:rPr>
                 <a:t>&lt;- lm(target~., data=train)</a:t>
               </a:r>
-              <a:endParaRPr lang="en-US" altLang="ko-KR" sz="1400" dirty="0">
-                <a:solidFill>
-                  <a:schemeClr val="bg1"/>
-                </a:solidFill>
-                <a:latin typeface="微軟正黑體" panose="020B0604030504040204" pitchFamily="34" charset="-120"/>
-                <a:ea typeface="微軟正黑體" panose="020B0604030504040204" pitchFamily="34" charset="-120"/>
-                <a:cs typeface="Arial" pitchFamily="34" charset="0"/>
-              </a:endParaRPr>
             </a:p>
           </p:txBody>
         </p:sp>
@@ -17138,14 +16701,6 @@
                 </a:rPr>
                 <a:t>(target~., data=train)</a:t>
               </a:r>
-              <a:endParaRPr lang="en-US" altLang="ko-KR" sz="1400" dirty="0">
-                <a:solidFill>
-                  <a:schemeClr val="bg1"/>
-                </a:solidFill>
-                <a:latin typeface="微軟正黑體" panose="020B0604030504040204" pitchFamily="34" charset="-120"/>
-                <a:ea typeface="微軟正黑體" panose="020B0604030504040204" pitchFamily="34" charset="-120"/>
-                <a:cs typeface="Arial" pitchFamily="34" charset="0"/>
-              </a:endParaRPr>
             </a:p>
           </p:txBody>
         </p:sp>
@@ -17375,14 +16930,6 @@
                 </a:rPr>
                 <a:t>", data=train)</a:t>
               </a:r>
-              <a:endParaRPr lang="en-US" altLang="ko-KR" sz="1400" dirty="0">
-                <a:solidFill>
-                  <a:schemeClr val="bg1"/>
-                </a:solidFill>
-                <a:latin typeface="微軟正黑體" panose="020B0604030504040204" pitchFamily="34" charset="-120"/>
-                <a:ea typeface="微軟正黑體" panose="020B0604030504040204" pitchFamily="34" charset="-120"/>
-                <a:cs typeface="Arial" pitchFamily="34" charset="0"/>
-              </a:endParaRPr>
             </a:p>
           </p:txBody>
         </p:sp>
@@ -17669,14 +17216,6 @@
                 </a:rPr>
                 <a:t>, verbose=FALSE)</a:t>
               </a:r>
-              <a:endParaRPr lang="en-US" altLang="ko-KR" sz="1400" dirty="0">
-                <a:solidFill>
-                  <a:schemeClr val="bg1"/>
-                </a:solidFill>
-                <a:latin typeface="微軟正黑體" panose="020B0604030504040204" pitchFamily="34" charset="-120"/>
-                <a:ea typeface="微軟正黑體" panose="020B0604030504040204" pitchFamily="34" charset="-120"/>
-                <a:cs typeface="Arial" pitchFamily="34" charset="0"/>
-              </a:endParaRPr>
             </a:p>
           </p:txBody>
         </p:sp>
@@ -20648,18 +20187,7 @@
                   <a:ea typeface="微軟正黑體" panose="020B0604030504040204" pitchFamily="34" charset="-120"/>
                   <a:cs typeface="Arial" pitchFamily="34" charset="0"/>
                 </a:rPr>
-                <a:t>RSME: </a:t>
-              </a:r>
-              <a:r>
-                <a:rPr lang="en-US" altLang="ko-KR" sz="1400" dirty="0" smtClean="0">
-                  <a:solidFill>
-                    <a:schemeClr val="bg1"/>
-                  </a:solidFill>
-                  <a:latin typeface="微軟正黑體" panose="020B0604030504040204" pitchFamily="34" charset="-120"/>
-                  <a:ea typeface="微軟正黑體" panose="020B0604030504040204" pitchFamily="34" charset="-120"/>
-                  <a:cs typeface="Arial" pitchFamily="34" charset="0"/>
-                </a:rPr>
-                <a:t>Training</a:t>
+                <a:t>RSME: Training</a:t>
               </a:r>
               <a:r>
                 <a:rPr lang="en-US" altLang="zh-TW" sz="1400" dirty="0" smtClean="0">

--- a/docs/1072_datascience_FP_Group2.pptx
+++ b/docs/1072_datascience_FP_Group2.pptx
@@ -222,7 +222,7 @@
           <a:p>
             <a:fld id="{36B428EB-F3A7-4A96-BB1D-43FE156CDB2B}" type="datetimeFigureOut">
               <a:rPr lang="ko-KR" altLang="en-US" smtClean="0"/>
-              <a:t>2019-06-23</a:t>
+              <a:t>2019-06-24</a:t>
             </a:fld>
             <a:endParaRPr lang="ko-KR" altLang="en-US" dirty="0"/>
           </a:p>
@@ -8423,6 +8423,61 @@
         </p:nvSpPr>
         <p:spPr/>
       </p:sp>
+      <p:sp>
+        <p:nvSpPr>
+          <p:cNvPr id="3" name="Rectangle 2"/>
+          <p:cNvSpPr/>
+          <p:nvPr/>
+        </p:nvSpPr>
+        <p:spPr>
+          <a:xfrm>
+            <a:off x="4355976" y="2283718"/>
+            <a:ext cx="4572000" cy="923330"/>
+          </a:xfrm>
+          <a:prstGeom prst="rect">
+            <a:avLst/>
+          </a:prstGeom>
+        </p:spPr>
+        <p:txBody>
+          <a:bodyPr>
+            <a:spAutoFit/>
+          </a:bodyPr>
+          <a:lstStyle/>
+          <a:p>
+            <a:r>
+              <a:rPr lang="en-US" dirty="0">
+                <a:hlinkClick r:id="rId2"/>
+              </a:rPr>
+              <a:t>https://willwill.shinyapps.io/testonly/?fbclid=IwAR3GkicbdLGRXDPC0Wl-0EZ9QUP8z5OXD93V4Bl5zRSvuTmb4MmysDjJHm0</a:t>
+            </a:r>
+            <a:endParaRPr lang="en-US" dirty="0"/>
+          </a:p>
+        </p:txBody>
+      </p:sp>
+      <p:pic>
+        <p:nvPicPr>
+          <p:cNvPr id="4" name="Picture 3"/>
+          <p:cNvPicPr>
+            <a:picLocks noChangeAspect="1"/>
+          </p:cNvPicPr>
+          <p:nvPr/>
+        </p:nvPicPr>
+        <p:blipFill>
+          <a:blip r:embed="rId3"/>
+          <a:stretch>
+            <a:fillRect/>
+          </a:stretch>
+        </p:blipFill>
+        <p:spPr>
+          <a:xfrm>
+            <a:off x="771160" y="1446783"/>
+            <a:ext cx="3325137" cy="2323794"/>
+          </a:xfrm>
+          <a:prstGeom prst="rect">
+            <a:avLst/>
+          </a:prstGeom>
+        </p:spPr>
+      </p:pic>
     </p:spTree>
     <p:extLst>
       <p:ext uri="{BB962C8B-B14F-4D97-AF65-F5344CB8AC3E}">
@@ -8433,6 +8488,13 @@
   <p:clrMapOvr>
     <a:masterClrMapping/>
   </p:clrMapOvr>
+  <p:timing>
+    <p:tnLst>
+      <p:par>
+        <p:cTn id="1" dur="indefinite" restart="never" nodeType="tmRoot"/>
+      </p:par>
+    </p:tnLst>
+  </p:timing>
 </p:sld>
 </file>
 
@@ -8515,6 +8577,13 @@
   <p:clrMapOvr>
     <a:masterClrMapping/>
   </p:clrMapOvr>
+  <p:timing>
+    <p:tnLst>
+      <p:par>
+        <p:cTn id="1" dur="indefinite" restart="never" nodeType="tmRoot"/>
+      </p:par>
+    </p:tnLst>
+  </p:timing>
 </p:sld>
 </file>
 
